--- a/esl/演示文稿1.pptx
+++ b/esl/演示文稿1.pptx
@@ -8,6 +8,7 @@
     <p:sldId id="256" r:id="rId2"/>
     <p:sldId id="257" r:id="rId3"/>
     <p:sldId id="258" r:id="rId4"/>
+    <p:sldId id="259" r:id="rId5"/>
   </p:sldIdLst>
   <p:sldSz cx="9144000" cy="6858000" type="screen4x3"/>
   <p:notesSz cx="6858000" cy="9144000"/>
@@ -106,6 +107,22 @@
       </a:defRPr>
     </a:lvl9pPr>
   </p:defaultTextStyle>
+  <p:extLst>
+    <p:ext uri="{EFAFB233-063F-42B5-8137-9DF3F51BA10A}">
+      <p15:sldGuideLst xmlns:p15="http://schemas.microsoft.com/office/powerpoint/2012/main">
+        <p15:guide id="1" orient="horz" pos="2160">
+          <p15:clr>
+            <a:srgbClr val="A4A3A4"/>
+          </p15:clr>
+        </p15:guide>
+        <p15:guide id="2" pos="2880">
+          <p15:clr>
+            <a:srgbClr val="A4A3A4"/>
+          </p15:clr>
+        </p15:guide>
+      </p15:sldGuideLst>
+    </p:ext>
+  </p:extLst>
 </p:presentation>
 </file>
 
@@ -290,7 +307,7 @@
           <a:p>
             <a:fld id="{4670FAE2-7455-4420-912C-1C73D8DA2D13}" type="datetimeFigureOut">
               <a:rPr lang="zh-CN" altLang="en-US" smtClean="0"/>
-              <a:t>2014/3/24</a:t>
+              <a:t>2014/3/17</a:t>
             </a:fld>
             <a:endParaRPr lang="zh-CN" altLang="en-US"/>
           </a:p>
@@ -455,7 +472,7 @@
           <a:p>
             <a:fld id="{4670FAE2-7455-4420-912C-1C73D8DA2D13}" type="datetimeFigureOut">
               <a:rPr lang="zh-CN" altLang="en-US" smtClean="0"/>
-              <a:t>2014/3/24</a:t>
+              <a:t>2014/3/17</a:t>
             </a:fld>
             <a:endParaRPr lang="zh-CN" altLang="en-US"/>
           </a:p>
@@ -630,7 +647,7 @@
           <a:p>
             <a:fld id="{4670FAE2-7455-4420-912C-1C73D8DA2D13}" type="datetimeFigureOut">
               <a:rPr lang="zh-CN" altLang="en-US" smtClean="0"/>
-              <a:t>2014/3/24</a:t>
+              <a:t>2014/3/17</a:t>
             </a:fld>
             <a:endParaRPr lang="zh-CN" altLang="en-US"/>
           </a:p>
@@ -795,7 +812,7 @@
           <a:p>
             <a:fld id="{4670FAE2-7455-4420-912C-1C73D8DA2D13}" type="datetimeFigureOut">
               <a:rPr lang="zh-CN" altLang="en-US" smtClean="0"/>
-              <a:t>2014/3/24</a:t>
+              <a:t>2014/3/17</a:t>
             </a:fld>
             <a:endParaRPr lang="zh-CN" altLang="en-US"/>
           </a:p>
@@ -1036,7 +1053,7 @@
           <a:p>
             <a:fld id="{4670FAE2-7455-4420-912C-1C73D8DA2D13}" type="datetimeFigureOut">
               <a:rPr lang="zh-CN" altLang="en-US" smtClean="0"/>
-              <a:t>2014/3/24</a:t>
+              <a:t>2014/3/17</a:t>
             </a:fld>
             <a:endParaRPr lang="zh-CN" altLang="en-US"/>
           </a:p>
@@ -1319,7 +1336,7 @@
           <a:p>
             <a:fld id="{4670FAE2-7455-4420-912C-1C73D8DA2D13}" type="datetimeFigureOut">
               <a:rPr lang="zh-CN" altLang="en-US" smtClean="0"/>
-              <a:t>2014/3/24</a:t>
+              <a:t>2014/3/17</a:t>
             </a:fld>
             <a:endParaRPr lang="zh-CN" altLang="en-US"/>
           </a:p>
@@ -1736,7 +1753,7 @@
           <a:p>
             <a:fld id="{4670FAE2-7455-4420-912C-1C73D8DA2D13}" type="datetimeFigureOut">
               <a:rPr lang="zh-CN" altLang="en-US" smtClean="0"/>
-              <a:t>2014/3/24</a:t>
+              <a:t>2014/3/17</a:t>
             </a:fld>
             <a:endParaRPr lang="zh-CN" altLang="en-US"/>
           </a:p>
@@ -1849,7 +1866,7 @@
           <a:p>
             <a:fld id="{4670FAE2-7455-4420-912C-1C73D8DA2D13}" type="datetimeFigureOut">
               <a:rPr lang="zh-CN" altLang="en-US" smtClean="0"/>
-              <a:t>2014/3/24</a:t>
+              <a:t>2014/3/17</a:t>
             </a:fld>
             <a:endParaRPr lang="zh-CN" altLang="en-US"/>
           </a:p>
@@ -1939,7 +1956,7 @@
           <a:p>
             <a:fld id="{4670FAE2-7455-4420-912C-1C73D8DA2D13}" type="datetimeFigureOut">
               <a:rPr lang="zh-CN" altLang="en-US" smtClean="0"/>
-              <a:t>2014/3/24</a:t>
+              <a:t>2014/3/17</a:t>
             </a:fld>
             <a:endParaRPr lang="zh-CN" altLang="en-US"/>
           </a:p>
@@ -2211,7 +2228,7 @@
           <a:p>
             <a:fld id="{4670FAE2-7455-4420-912C-1C73D8DA2D13}" type="datetimeFigureOut">
               <a:rPr lang="zh-CN" altLang="en-US" smtClean="0"/>
-              <a:t>2014/3/24</a:t>
+              <a:t>2014/3/17</a:t>
             </a:fld>
             <a:endParaRPr lang="zh-CN" altLang="en-US"/>
           </a:p>
@@ -2459,7 +2476,7 @@
           <a:p>
             <a:fld id="{4670FAE2-7455-4420-912C-1C73D8DA2D13}" type="datetimeFigureOut">
               <a:rPr lang="zh-CN" altLang="en-US" smtClean="0"/>
-              <a:t>2014/3/24</a:t>
+              <a:t>2014/3/17</a:t>
             </a:fld>
             <a:endParaRPr lang="zh-CN" altLang="en-US"/>
           </a:p>
@@ -2667,7 +2684,7 @@
           <a:p>
             <a:fld id="{4670FAE2-7455-4420-912C-1C73D8DA2D13}" type="datetimeFigureOut">
               <a:rPr lang="zh-CN" altLang="en-US" smtClean="0"/>
-              <a:t>2014/3/24</a:t>
+              <a:t>2014/3/17</a:t>
             </a:fld>
             <a:endParaRPr lang="zh-CN" altLang="en-US"/>
           </a:p>
@@ -3047,11 +3064,20 @@
             <p:ph type="ctrTitle"/>
           </p:nvPr>
         </p:nvSpPr>
-        <p:spPr/>
-        <p:txBody>
-          <a:bodyPr/>
-          <a:lstStyle/>
-          <a:p>
+        <p:spPr>
+          <a:xfrm>
+            <a:off x="762000" y="2286000"/>
+            <a:ext cx="7772400" cy="1470025"/>
+          </a:xfrm>
+        </p:spPr>
+        <p:txBody>
+          <a:bodyPr/>
+          <a:lstStyle/>
+          <a:p>
+            <a:r>
+              <a:rPr lang="en-US" altLang="zh-CN" dirty="0" smtClean="0"/>
+              <a:t>Simple Machines</a:t>
+            </a:r>
             <a:endParaRPr lang="zh-CN" altLang="en-US" dirty="0"/>
           </a:p>
         </p:txBody>
@@ -3066,12 +3092,48 @@
             <p:ph type="subTitle" idx="1"/>
           </p:nvPr>
         </p:nvSpPr>
-        <p:spPr/>
-        <p:txBody>
-          <a:bodyPr/>
-          <a:lstStyle/>
-          <a:p>
-            <a:endParaRPr lang="zh-CN" altLang="en-US"/>
+        <p:spPr>
+          <a:xfrm>
+            <a:off x="6522493" y="4343400"/>
+            <a:ext cx="1905000" cy="1905000"/>
+          </a:xfrm>
+        </p:spPr>
+        <p:txBody>
+          <a:bodyPr>
+            <a:normAutofit/>
+          </a:bodyPr>
+          <a:lstStyle/>
+          <a:p>
+            <a:r>
+              <a:rPr lang="en-US" altLang="zh-CN" sz="1400" dirty="0" smtClean="0"/>
+              <a:t>Team: Never lose</a:t>
+            </a:r>
+          </a:p>
+          <a:p>
+            <a:r>
+              <a:rPr lang="en-US" altLang="zh-CN" sz="1400" dirty="0" smtClean="0"/>
+              <a:t>Hao Qin</a:t>
+            </a:r>
+          </a:p>
+          <a:p>
+            <a:r>
+              <a:rPr lang="en-US" altLang="zh-CN" sz="1400" dirty="0" err="1" smtClean="0"/>
+              <a:t>Kaiyu</a:t>
+            </a:r>
+            <a:r>
+              <a:rPr lang="en-US" altLang="zh-CN" sz="1400" dirty="0" smtClean="0"/>
+              <a:t> Lin</a:t>
+            </a:r>
+          </a:p>
+          <a:p>
+            <a:r>
+              <a:rPr lang="en-US" altLang="zh-CN" sz="1400" dirty="0" err="1" smtClean="0"/>
+              <a:t>Juehan</a:t>
+            </a:r>
+            <a:r>
+              <a:rPr lang="en-US" altLang="zh-CN" sz="1400" dirty="0" smtClean="0"/>
+              <a:t> Fu</a:t>
+            </a:r>
           </a:p>
         </p:txBody>
       </p:sp>
@@ -3247,6 +3309,78 @@
         </p:spPr>
       </p:pic>
     </p:spTree>
+  </p:cSld>
+  <p:clrMapOvr>
+    <a:masterClrMapping/>
+  </p:clrMapOvr>
+</p:sld>
+</file>
+
+<file path=ppt/slides/slide4.xml><?xml version="1.0" encoding="utf-8"?>
+<p:sld xmlns:a="http://schemas.openxmlformats.org/drawingml/2006/main" xmlns:r="http://schemas.openxmlformats.org/officeDocument/2006/relationships" xmlns:p="http://schemas.openxmlformats.org/presentationml/2006/main">
+  <p:cSld>
+    <p:spTree>
+      <p:nvGrpSpPr>
+        <p:cNvPr id="1" name=""/>
+        <p:cNvGrpSpPr/>
+        <p:nvPr/>
+      </p:nvGrpSpPr>
+      <p:grpSpPr>
+        <a:xfrm>
+          <a:off x="0" y="0"/>
+          <a:ext cx="0" cy="0"/>
+          <a:chOff x="0" y="0"/>
+          <a:chExt cx="0" cy="0"/>
+        </a:xfrm>
+      </p:grpSpPr>
+      <p:sp>
+        <p:nvSpPr>
+          <p:cNvPr id="2" name="标题 1"/>
+          <p:cNvSpPr>
+            <a:spLocks noGrp="1"/>
+          </p:cNvSpPr>
+          <p:nvPr>
+            <p:ph type="title"/>
+          </p:nvPr>
+        </p:nvSpPr>
+        <p:spPr/>
+        <p:txBody>
+          <a:bodyPr/>
+          <a:lstStyle/>
+          <a:p>
+            <a:r>
+              <a:rPr lang="en-US" dirty="0" smtClean="0"/>
+              <a:t>The inclined plane</a:t>
+            </a:r>
+            <a:endParaRPr lang="en-US" dirty="0"/>
+          </a:p>
+        </p:txBody>
+      </p:sp>
+      <p:sp>
+        <p:nvSpPr>
+          <p:cNvPr id="3" name="内容占位符 2"/>
+          <p:cNvSpPr>
+            <a:spLocks noGrp="1"/>
+          </p:cNvSpPr>
+          <p:nvPr>
+            <p:ph idx="1"/>
+          </p:nvPr>
+        </p:nvSpPr>
+        <p:spPr/>
+        <p:txBody>
+          <a:bodyPr/>
+          <a:lstStyle/>
+          <a:p>
+            <a:endParaRPr lang="en-US" dirty="0"/>
+          </a:p>
+        </p:txBody>
+      </p:sp>
+    </p:spTree>
+    <p:extLst>
+      <p:ext uri="{BB962C8B-B14F-4D97-AF65-F5344CB8AC3E}">
+        <p14:creationId xmlns:p14="http://schemas.microsoft.com/office/powerpoint/2010/main" val="645357157"/>
+      </p:ext>
+    </p:extLst>
   </p:cSld>
   <p:clrMapOvr>
     <a:masterClrMapping/>
